--- a/G8/Slide.pptx
+++ b/G8/Slide.pptx
@@ -16,11 +16,9 @@
     <p:sldId id="270" r:id="rId10"/>
     <p:sldId id="269" r:id="rId11"/>
     <p:sldId id="272" r:id="rId12"/>
-    <p:sldId id="266" r:id="rId13"/>
-    <p:sldId id="265" r:id="rId14"/>
-    <p:sldId id="259" r:id="rId15"/>
-    <p:sldId id="271" r:id="rId16"/>
-    <p:sldId id="258" r:id="rId17"/>
+    <p:sldId id="259" r:id="rId13"/>
+    <p:sldId id="271" r:id="rId14"/>
+    <p:sldId id="258" r:id="rId15"/>
   </p:sldIdLst>
   <p:sldSz cx="9144000" cy="6858000" type="screen4x3"/>
   <p:notesSz cx="6858000" cy="9144000"/>
@@ -428,7 +426,7 @@
           <a:p>
             <a:fld id="{13AAEFB3-3F94-4CF5-97BA-3C86278D54ED}" type="datetimeFigureOut">
               <a:rPr lang="en-US" smtClean="0"/>
-              <a:t>12/11/2013</a:t>
+              <a:t>12/13/2013</a:t>
             </a:fld>
             <a:endParaRPr lang="en-US"/>
           </a:p>
@@ -613,7 +611,7 @@
           <a:p>
             <a:fld id="{13AAEFB3-3F94-4CF5-97BA-3C86278D54ED}" type="datetimeFigureOut">
               <a:rPr lang="en-US" smtClean="0"/>
-              <a:t>12/11/2013</a:t>
+              <a:t>12/13/2013</a:t>
             </a:fld>
             <a:endParaRPr lang="en-US"/>
           </a:p>
@@ -798,7 +796,7 @@
           <a:p>
             <a:fld id="{13AAEFB3-3F94-4CF5-97BA-3C86278D54ED}" type="datetimeFigureOut">
               <a:rPr lang="en-US" smtClean="0"/>
-              <a:t>12/11/2013</a:t>
+              <a:t>12/13/2013</a:t>
             </a:fld>
             <a:endParaRPr lang="en-US"/>
           </a:p>
@@ -983,7 +981,7 @@
           <a:p>
             <a:fld id="{13AAEFB3-3F94-4CF5-97BA-3C86278D54ED}" type="datetimeFigureOut">
               <a:rPr lang="en-US" smtClean="0"/>
-              <a:t>12/11/2013</a:t>
+              <a:t>12/13/2013</a:t>
             </a:fld>
             <a:endParaRPr lang="en-US"/>
           </a:p>
@@ -1364,7 +1362,7 @@
           <a:p>
             <a:fld id="{13AAEFB3-3F94-4CF5-97BA-3C86278D54ED}" type="datetimeFigureOut">
               <a:rPr lang="en-US" smtClean="0"/>
-              <a:t>12/11/2013</a:t>
+              <a:t>12/13/2013</a:t>
             </a:fld>
             <a:endParaRPr lang="en-US"/>
           </a:p>
@@ -1633,7 +1631,7 @@
           <a:p>
             <a:fld id="{13AAEFB3-3F94-4CF5-97BA-3C86278D54ED}" type="datetimeFigureOut">
               <a:rPr lang="en-US" smtClean="0"/>
-              <a:t>12/11/2013</a:t>
+              <a:t>12/13/2013</a:t>
             </a:fld>
             <a:endParaRPr lang="en-US"/>
           </a:p>
@@ -2018,7 +2016,7 @@
           <a:p>
             <a:fld id="{13AAEFB3-3F94-4CF5-97BA-3C86278D54ED}" type="datetimeFigureOut">
               <a:rPr lang="en-US" smtClean="0"/>
-              <a:t>12/11/2013</a:t>
+              <a:t>12/13/2013</a:t>
             </a:fld>
             <a:endParaRPr lang="en-US"/>
           </a:p>
@@ -2139,7 +2137,7 @@
           <a:p>
             <a:fld id="{13AAEFB3-3F94-4CF5-97BA-3C86278D54ED}" type="datetimeFigureOut">
               <a:rPr lang="en-US" smtClean="0"/>
-              <a:t>12/11/2013</a:t>
+              <a:t>12/13/2013</a:t>
             </a:fld>
             <a:endParaRPr lang="en-US"/>
           </a:p>
@@ -2319,7 +2317,7 @@
           <a:p>
             <a:fld id="{13AAEFB3-3F94-4CF5-97BA-3C86278D54ED}" type="datetimeFigureOut">
               <a:rPr lang="en-US" smtClean="0"/>
-              <a:t>12/11/2013</a:t>
+              <a:t>12/13/2013</a:t>
             </a:fld>
             <a:endParaRPr lang="en-US"/>
           </a:p>
@@ -2653,7 +2651,7 @@
           <a:p>
             <a:fld id="{13AAEFB3-3F94-4CF5-97BA-3C86278D54ED}" type="datetimeFigureOut">
               <a:rPr lang="en-US" smtClean="0"/>
-              <a:t>12/11/2013</a:t>
+              <a:t>12/13/2013</a:t>
             </a:fld>
             <a:endParaRPr lang="en-US"/>
           </a:p>
@@ -3022,7 +3020,7 @@
           <a:p>
             <a:fld id="{13AAEFB3-3F94-4CF5-97BA-3C86278D54ED}" type="datetimeFigureOut">
               <a:rPr lang="en-US" smtClean="0"/>
-              <a:t>12/11/2013</a:t>
+              <a:t>12/13/2013</a:t>
             </a:fld>
             <a:endParaRPr lang="en-US"/>
           </a:p>
@@ -3440,7 +3438,7 @@
           <a:p>
             <a:fld id="{13AAEFB3-3F94-4CF5-97BA-3C86278D54ED}" type="datetimeFigureOut">
               <a:rPr lang="en-US" smtClean="0"/>
-              <a:t>12/11/2013</a:t>
+              <a:t>12/13/2013</a:t>
             </a:fld>
             <a:endParaRPr lang="en-US"/>
           </a:p>
@@ -4256,6 +4254,13 @@
   <p:clrMapOvr>
     <a:masterClrMapping/>
   </p:clrMapOvr>
+  <p:timing>
+    <p:tnLst>
+      <p:par>
+        <p:cTn id="1" dur="indefinite" restart="never" nodeType="tmRoot"/>
+      </p:par>
+    </p:tnLst>
+  </p:timing>
 </p:sld>
 </file>
 
@@ -5117,358 +5122,6 @@
         <p:spPr>
           <a:xfrm>
             <a:off x="533400" y="609600"/>
-            <a:ext cx="8183880" cy="685800"/>
-          </a:xfrm>
-        </p:spPr>
-        <p:txBody>
-          <a:bodyPr/>
-          <a:lstStyle/>
-          <a:p>
-            <a:r>
-              <a:rPr lang="en-US" dirty="0" smtClean="0"/>
-              <a:t>Chi </a:t>
-            </a:r>
-            <a:r>
-              <a:rPr lang="en-US" dirty="0" err="1" smtClean="0"/>
-              <a:t>phí</a:t>
-            </a:r>
-            <a:r>
-              <a:rPr lang="en-US" dirty="0" smtClean="0"/>
-              <a:t> </a:t>
-            </a:r>
-            <a:r>
-              <a:rPr lang="en-US" dirty="0" err="1" smtClean="0"/>
-              <a:t>ước</a:t>
-            </a:r>
-            <a:r>
-              <a:rPr lang="en-US" dirty="0" smtClean="0"/>
-              <a:t> </a:t>
-            </a:r>
-            <a:r>
-              <a:rPr lang="en-US" dirty="0" err="1" smtClean="0"/>
-              <a:t>tính</a:t>
-            </a:r>
-            <a:endParaRPr lang="en-US" dirty="0"/>
-          </a:p>
-        </p:txBody>
-      </p:sp>
-      <p:sp>
-        <p:nvSpPr>
-          <p:cNvPr id="3" name="Content Placeholder 2"/>
-          <p:cNvSpPr>
-            <a:spLocks noGrp="1"/>
-          </p:cNvSpPr>
-          <p:nvPr>
-            <p:ph idx="1"/>
-          </p:nvPr>
-        </p:nvSpPr>
-        <p:spPr>
-          <a:xfrm>
-            <a:off x="457200" y="1371600"/>
-            <a:ext cx="8183880" cy="4492752"/>
-          </a:xfrm>
-        </p:spPr>
-        <p:txBody>
-          <a:bodyPr/>
-          <a:lstStyle/>
-          <a:p>
-            <a:endParaRPr lang="en-US" dirty="0"/>
-          </a:p>
-        </p:txBody>
-      </p:sp>
-      <p:pic>
-        <p:nvPicPr>
-          <p:cNvPr id="1026" name="Picture 2"/>
-          <p:cNvPicPr>
-            <a:picLocks noChangeAspect="1" noChangeArrowheads="1"/>
-          </p:cNvPicPr>
-          <p:nvPr/>
-        </p:nvPicPr>
-        <p:blipFill>
-          <a:blip r:embed="rId2">
-            <a:extLst>
-              <a:ext uri="{28A0092B-C50C-407E-A947-70E740481C1C}">
-                <a14:useLocalDpi xmlns:a14="http://schemas.microsoft.com/office/drawing/2010/main" val="0"/>
-              </a:ext>
-            </a:extLst>
-          </a:blip>
-          <a:srcRect/>
-          <a:stretch>
-            <a:fillRect/>
-          </a:stretch>
-        </p:blipFill>
-        <p:spPr bwMode="auto">
-          <a:xfrm>
-            <a:off x="457200" y="1371600"/>
-            <a:ext cx="8229600" cy="4495800"/>
-          </a:xfrm>
-          <a:prstGeom prst="rect">
-            <a:avLst/>
-          </a:prstGeom>
-          <a:noFill/>
-          <a:ln>
-            <a:noFill/>
-          </a:ln>
-          <a:effectLst/>
-          <a:extLst>
-            <a:ext uri="{909E8E84-426E-40DD-AFC4-6F175D3DCCD1}">
-              <a14:hiddenFill xmlns:a14="http://schemas.microsoft.com/office/drawing/2010/main">
-                <a:solidFill>
-                  <a:schemeClr val="accent1"/>
-                </a:solidFill>
-              </a14:hiddenFill>
-            </a:ext>
-            <a:ext uri="{91240B29-F687-4F45-9708-019B960494DF}">
-              <a14:hiddenLine xmlns:a14="http://schemas.microsoft.com/office/drawing/2010/main" w="9525">
-                <a:solidFill>
-                  <a:schemeClr val="tx1"/>
-                </a:solidFill>
-                <a:miter lim="800000"/>
-                <a:headEnd/>
-                <a:tailEnd/>
-              </a14:hiddenLine>
-            </a:ext>
-            <a:ext uri="{AF507438-7753-43E0-B8FC-AC1667EBCBE1}">
-              <a14:hiddenEffects xmlns:a14="http://schemas.microsoft.com/office/drawing/2010/main">
-                <a:effectLst>
-                  <a:outerShdw dist="35921" dir="2700000" algn="ctr" rotWithShape="0">
-                    <a:schemeClr val="bg2"/>
-                  </a:outerShdw>
-                </a:effectLst>
-              </a14:hiddenEffects>
-            </a:ext>
-          </a:extLst>
-        </p:spPr>
-      </p:pic>
-    </p:spTree>
-    <p:extLst>
-      <p:ext uri="{BB962C8B-B14F-4D97-AF65-F5344CB8AC3E}">
-        <p14:creationId xmlns:p14="http://schemas.microsoft.com/office/powerpoint/2010/main" val="3603325582"/>
-      </p:ext>
-    </p:extLst>
-  </p:cSld>
-  <p:clrMapOvr>
-    <a:masterClrMapping/>
-  </p:clrMapOvr>
-  <p:timing>
-    <p:tnLst>
-      <p:par>
-        <p:cTn id="1" dur="indefinite" restart="never" nodeType="tmRoot"/>
-      </p:par>
-    </p:tnLst>
-  </p:timing>
-</p:sld>
-</file>
-
-<file path=ppt/slides/slide13.xml><?xml version="1.0" encoding="utf-8"?>
-<p:sld xmlns:a="http://schemas.openxmlformats.org/drawingml/2006/main" xmlns:r="http://schemas.openxmlformats.org/officeDocument/2006/relationships" xmlns:p="http://schemas.openxmlformats.org/presentationml/2006/main">
-  <p:cSld>
-    <p:spTree>
-      <p:nvGrpSpPr>
-        <p:cNvPr id="1" name=""/>
-        <p:cNvGrpSpPr/>
-        <p:nvPr/>
-      </p:nvGrpSpPr>
-      <p:grpSpPr>
-        <a:xfrm>
-          <a:off x="0" y="0"/>
-          <a:ext cx="0" cy="0"/>
-          <a:chOff x="0" y="0"/>
-          <a:chExt cx="0" cy="0"/>
-        </a:xfrm>
-      </p:grpSpPr>
-      <p:sp>
-        <p:nvSpPr>
-          <p:cNvPr id="2" name="Title 1"/>
-          <p:cNvSpPr>
-            <a:spLocks noGrp="1"/>
-          </p:cNvSpPr>
-          <p:nvPr>
-            <p:ph type="title"/>
-          </p:nvPr>
-        </p:nvSpPr>
-        <p:spPr>
-          <a:xfrm>
-            <a:off x="533400" y="609600"/>
-            <a:ext cx="8183880" cy="457200"/>
-          </a:xfrm>
-        </p:spPr>
-        <p:txBody>
-          <a:bodyPr>
-            <a:normAutofit fontScale="90000"/>
-          </a:bodyPr>
-          <a:lstStyle/>
-          <a:p>
-            <a:r>
-              <a:rPr lang="en-US" dirty="0" smtClean="0"/>
-              <a:t>Chi </a:t>
-            </a:r>
-            <a:r>
-              <a:rPr lang="en-US" dirty="0" err="1" smtClean="0"/>
-              <a:t>phí</a:t>
-            </a:r>
-            <a:r>
-              <a:rPr lang="en-US" dirty="0" smtClean="0"/>
-              <a:t> </a:t>
-            </a:r>
-            <a:r>
-              <a:rPr lang="en-US" dirty="0" err="1" smtClean="0"/>
-              <a:t>ước</a:t>
-            </a:r>
-            <a:r>
-              <a:rPr lang="en-US" dirty="0" smtClean="0"/>
-              <a:t> </a:t>
-            </a:r>
-            <a:r>
-              <a:rPr lang="en-US" dirty="0" err="1" smtClean="0"/>
-              <a:t>tính</a:t>
-            </a:r>
-            <a:r>
-              <a:rPr lang="en-US" dirty="0" smtClean="0"/>
-              <a:t> (2)</a:t>
-            </a:r>
-            <a:endParaRPr lang="en-US" dirty="0"/>
-          </a:p>
-        </p:txBody>
-      </p:sp>
-      <p:sp>
-        <p:nvSpPr>
-          <p:cNvPr id="3" name="Content Placeholder 2"/>
-          <p:cNvSpPr>
-            <a:spLocks noGrp="1"/>
-          </p:cNvSpPr>
-          <p:nvPr>
-            <p:ph idx="1"/>
-          </p:nvPr>
-        </p:nvSpPr>
-        <p:spPr>
-          <a:xfrm>
-            <a:off x="457200" y="1295400"/>
-            <a:ext cx="8183880" cy="4568952"/>
-          </a:xfrm>
-        </p:spPr>
-        <p:txBody>
-          <a:bodyPr/>
-          <a:lstStyle/>
-          <a:p>
-            <a:endParaRPr lang="en-US" dirty="0"/>
-          </a:p>
-        </p:txBody>
-      </p:sp>
-      <p:pic>
-        <p:nvPicPr>
-          <p:cNvPr id="2050" name="Picture 2"/>
-          <p:cNvPicPr>
-            <a:picLocks noChangeAspect="1" noChangeArrowheads="1"/>
-          </p:cNvPicPr>
-          <p:nvPr/>
-        </p:nvPicPr>
-        <p:blipFill>
-          <a:blip r:embed="rId2">
-            <a:extLst>
-              <a:ext uri="{28A0092B-C50C-407E-A947-70E740481C1C}">
-                <a14:useLocalDpi xmlns:a14="http://schemas.microsoft.com/office/drawing/2010/main" val="0"/>
-              </a:ext>
-            </a:extLst>
-          </a:blip>
-          <a:srcRect/>
-          <a:stretch>
-            <a:fillRect/>
-          </a:stretch>
-        </p:blipFill>
-        <p:spPr bwMode="auto">
-          <a:xfrm>
-            <a:off x="457200" y="1219200"/>
-            <a:ext cx="8229600" cy="4572000"/>
-          </a:xfrm>
-          <a:prstGeom prst="rect">
-            <a:avLst/>
-          </a:prstGeom>
-          <a:noFill/>
-          <a:ln>
-            <a:noFill/>
-          </a:ln>
-          <a:effectLst/>
-          <a:extLst>
-            <a:ext uri="{909E8E84-426E-40DD-AFC4-6F175D3DCCD1}">
-              <a14:hiddenFill xmlns:a14="http://schemas.microsoft.com/office/drawing/2010/main">
-                <a:solidFill>
-                  <a:schemeClr val="accent1"/>
-                </a:solidFill>
-              </a14:hiddenFill>
-            </a:ext>
-            <a:ext uri="{91240B29-F687-4F45-9708-019B960494DF}">
-              <a14:hiddenLine xmlns:a14="http://schemas.microsoft.com/office/drawing/2010/main" w="9525">
-                <a:solidFill>
-                  <a:schemeClr val="tx1"/>
-                </a:solidFill>
-                <a:miter lim="800000"/>
-                <a:headEnd/>
-                <a:tailEnd/>
-              </a14:hiddenLine>
-            </a:ext>
-            <a:ext uri="{AF507438-7753-43E0-B8FC-AC1667EBCBE1}">
-              <a14:hiddenEffects xmlns:a14="http://schemas.microsoft.com/office/drawing/2010/main">
-                <a:effectLst>
-                  <a:outerShdw dist="35921" dir="2700000" algn="ctr" rotWithShape="0">
-                    <a:schemeClr val="bg2"/>
-                  </a:outerShdw>
-                </a:effectLst>
-              </a14:hiddenEffects>
-            </a:ext>
-          </a:extLst>
-        </p:spPr>
-      </p:pic>
-    </p:spTree>
-    <p:extLst>
-      <p:ext uri="{BB962C8B-B14F-4D97-AF65-F5344CB8AC3E}">
-        <p14:creationId xmlns:p14="http://schemas.microsoft.com/office/powerpoint/2010/main" val="1173292450"/>
-      </p:ext>
-    </p:extLst>
-  </p:cSld>
-  <p:clrMapOvr>
-    <a:masterClrMapping/>
-  </p:clrMapOvr>
-  <p:timing>
-    <p:tnLst>
-      <p:par>
-        <p:cTn id="1" dur="indefinite" restart="never" nodeType="tmRoot"/>
-      </p:par>
-    </p:tnLst>
-  </p:timing>
-</p:sld>
-</file>
-
-<file path=ppt/slides/slide14.xml><?xml version="1.0" encoding="utf-8"?>
-<p:sld xmlns:a="http://schemas.openxmlformats.org/drawingml/2006/main" xmlns:r="http://schemas.openxmlformats.org/officeDocument/2006/relationships" xmlns:p="http://schemas.openxmlformats.org/presentationml/2006/main">
-  <p:cSld>
-    <p:spTree>
-      <p:nvGrpSpPr>
-        <p:cNvPr id="1" name=""/>
-        <p:cNvGrpSpPr/>
-        <p:nvPr/>
-      </p:nvGrpSpPr>
-      <p:grpSpPr>
-        <a:xfrm>
-          <a:off x="0" y="0"/>
-          <a:ext cx="0" cy="0"/>
-          <a:chOff x="0" y="0"/>
-          <a:chExt cx="0" cy="0"/>
-        </a:xfrm>
-      </p:grpSpPr>
-      <p:sp>
-        <p:nvSpPr>
-          <p:cNvPr id="2" name="Title 1"/>
-          <p:cNvSpPr>
-            <a:spLocks noGrp="1"/>
-          </p:cNvSpPr>
-          <p:nvPr>
-            <p:ph type="title"/>
-          </p:nvPr>
-        </p:nvSpPr>
-        <p:spPr>
-          <a:xfrm>
-            <a:off x="533400" y="609600"/>
             <a:ext cx="7848600" cy="685800"/>
           </a:xfrm>
         </p:spPr>
@@ -5610,10 +5263,17 @@
   <p:clrMapOvr>
     <a:masterClrMapping/>
   </p:clrMapOvr>
+  <p:timing>
+    <p:tnLst>
+      <p:par>
+        <p:cTn id="1" dur="indefinite" restart="never" nodeType="tmRoot"/>
+      </p:par>
+    </p:tnLst>
+  </p:timing>
 </p:sld>
 </file>
 
-<file path=ppt/slides/slide15.xml><?xml version="1.0" encoding="utf-8"?>
+<file path=ppt/slides/slide13.xml><?xml version="1.0" encoding="utf-8"?>
 <p:sld xmlns:a="http://schemas.openxmlformats.org/drawingml/2006/main" xmlns:r="http://schemas.openxmlformats.org/officeDocument/2006/relationships" xmlns:p="http://schemas.openxmlformats.org/presentationml/2006/main">
   <p:cSld>
     <p:spTree>
@@ -5735,10 +5395,17 @@
   <p:clrMapOvr>
     <a:masterClrMapping/>
   </p:clrMapOvr>
+  <p:timing>
+    <p:tnLst>
+      <p:par>
+        <p:cTn id="1" dur="indefinite" restart="never" nodeType="tmRoot"/>
+      </p:par>
+    </p:tnLst>
+  </p:timing>
 </p:sld>
 </file>
 
-<file path=ppt/slides/slide16.xml><?xml version="1.0" encoding="utf-8"?>
+<file path=ppt/slides/slide14.xml><?xml version="1.0" encoding="utf-8"?>
 <p:sld xmlns:a="http://schemas.openxmlformats.org/drawingml/2006/main" xmlns:r="http://schemas.openxmlformats.org/officeDocument/2006/relationships" xmlns:p="http://schemas.openxmlformats.org/presentationml/2006/main">
   <p:cSld>
     <p:spTree>
@@ -5795,6 +5462,13 @@
   <p:clrMapOvr>
     <a:masterClrMapping/>
   </p:clrMapOvr>
+  <p:timing>
+    <p:tnLst>
+      <p:par>
+        <p:cTn id="1" dur="indefinite" restart="never" nodeType="tmRoot"/>
+      </p:par>
+    </p:tnLst>
+  </p:timing>
 </p:sld>
 </file>
 
@@ -7264,11 +6938,19 @@
               <a:t> website </a:t>
             </a:r>
             <a:r>
-              <a:rPr lang="en-US" dirty="0" err="1"/>
-              <a:t>giúp</a:t>
-            </a:r>
-            <a:r>
-              <a:rPr lang="en-US" dirty="0"/>
+              <a:rPr lang="en-US" dirty="0" err="1" smtClean="0"/>
+              <a:t>sao</a:t>
+            </a:r>
+            <a:r>
+              <a:rPr lang="en-US" dirty="0" smtClean="0"/>
+              <a:t> </a:t>
+            </a:r>
+            <a:r>
+              <a:rPr lang="en-US" dirty="0" err="1" smtClean="0"/>
+              <a:t>cho</a:t>
+            </a:r>
+            <a:r>
+              <a:rPr lang="en-US" dirty="0" smtClean="0"/>
               <a:t> </a:t>
             </a:r>
             <a:r>
